--- a/apache/data/hielo/ppt/NB-IoT.pptx
+++ b/apache/data/hielo/ppt/NB-IoT.pptx
@@ -133,6 +133,11 @@
       </a:defRPr>
     </a:lvl9pPr>
   </p:defaultTextStyle>
+  <p:extLst>
+    <p:ext uri="{EFAFB233-063F-42B5-8137-9DF3F51BA10A}">
+      <p15:sldGuideLst xmlns:p15="http://schemas.microsoft.com/office/powerpoint/2012/main"/>
+    </p:ext>
+  </p:extLst>
 </p:presentation>
 </file>
 
@@ -230,7 +235,7 @@
           <a:p>
             <a:fld id="{2B4E7F58-818B-4B80-8EB1-095066C34B95}" type="datetimeFigureOut">
               <a:rPr lang="zh-TW" altLang="en-US" smtClean="0"/>
-              <a:t>2020/10/22</a:t>
+              <a:t>2020/10/23</a:t>
             </a:fld>
             <a:endParaRPr lang="zh-TW" altLang="en-US"/>
           </a:p>
@@ -4245,35 +4250,7 @@
               <a:buAutoNum type="arabicPeriod"/>
             </a:pPr>
             <a:r>
-              <a:rPr lang="zh-TW" altLang="en-US" dirty="0"/>
-              <a:t>在 </a:t>
-            </a:r>
-            <a:r>
-              <a:rPr lang="en-US" altLang="zh-TW" dirty="0"/>
-              <a:t>AWS</a:t>
-            </a:r>
-            <a:r>
-              <a:rPr lang="zh-TW" altLang="en-US" dirty="0"/>
-              <a:t> 上開一個 </a:t>
-            </a:r>
-            <a:r>
-              <a:rPr lang="en-US" altLang="zh-TW" dirty="0"/>
-              <a:t>VM</a:t>
-            </a:r>
-            <a:r>
-              <a:rPr lang="zh-TW" altLang="en-US" dirty="0"/>
-              <a:t> 用 </a:t>
-            </a:r>
-            <a:r>
-              <a:rPr lang="en-US" altLang="zh-TW" dirty="0"/>
-              <a:t>python </a:t>
-            </a:r>
-            <a:r>
-              <a:rPr lang="zh-TW" altLang="en-US" dirty="0"/>
-              <a:t>撰寫並執行 </a:t>
-            </a:r>
-            <a:r>
-              <a:rPr lang="en-US" altLang="zh-TW" dirty="0"/>
+              <a:rPr lang="en-US" altLang="zh-TW"/>
               <a:t>UDP</a:t>
             </a:r>
             <a:r>
@@ -8756,8 +8733,8 @@
           </a:prstGeom>
         </p:spPr>
       </p:pic>
-      <mc:AlternateContent xmlns:mc="http://schemas.openxmlformats.org/markup-compatibility/2006">
-        <mc:Choice xmlns:a14="http://schemas.microsoft.com/office/drawing/2010/main" Requires="a14">
+      <mc:AlternateContent xmlns:mc="http://schemas.openxmlformats.org/markup-compatibility/2006" xmlns:a14="http://schemas.microsoft.com/office/drawing/2010/main">
+        <mc:Choice Requires="a14">
           <p:sp>
             <p:nvSpPr>
               <p:cNvPr id="6" name="文字方塊 5">
@@ -8786,6 +8763,7 @@
               </a:bodyPr>
               <a:lstStyle/>
               <a:p>
+                <a:pPr/>
                 <a14:m>
                   <m:oMathPara xmlns:m="http://schemas.openxmlformats.org/officeDocument/2006/math">
                     <m:oMathParaPr>
@@ -8806,7 +8784,7 @@
             </p:txBody>
           </p:sp>
         </mc:Choice>
-        <mc:Fallback>
+        <mc:Fallback xmlns="">
           <p:sp>
             <p:nvSpPr>
               <p:cNvPr id="6" name="文字方塊 5">
@@ -10163,7 +10141,7 @@
             </a:r>
             <a:r>
               <a:rPr lang="en-US" altLang="zh-TW" dirty="0"/>
-              <a:t>1.18.13</a:t>
+              <a:t>1.8.12</a:t>
             </a:r>
           </a:p>
           <a:p>
@@ -10993,7 +10971,7 @@
           <p:nvPr>
             <p:extLst>
               <p:ext uri="{D42A27DB-BD31-4B8C-83A1-F6EECF244321}">
-                <p14:modId xmlns:p14="http://schemas.microsoft.com/office/powerpoint/2010/main" val="1804552672"/>
+                <p14:modId xmlns:p14="http://schemas.microsoft.com/office/powerpoint/2010/main" val="3754299517"/>
               </p:ext>
             </p:extLst>
           </p:nvPr>
@@ -11694,6 +11672,38 @@
               <a:t>5</a:t>
             </a:fld>
             <a:endParaRPr lang="zh-TW" altLang="en-US"/>
+          </a:p>
+        </p:txBody>
+      </p:sp>
+      <p:sp>
+        <p:nvSpPr>
+          <p:cNvPr id="5" name="文字方塊 4">
+            <a:extLst>
+              <a:ext uri="{FF2B5EF4-FFF2-40B4-BE49-F238E27FC236}">
+                <a16:creationId xmlns:a16="http://schemas.microsoft.com/office/drawing/2014/main" id="{E429F516-D618-4FA2-AD2B-DE22DBD48DAB}"/>
+              </a:ext>
+            </a:extLst>
+          </p:cNvPr>
+          <p:cNvSpPr txBox="1"/>
+          <p:nvPr/>
+        </p:nvSpPr>
+        <p:spPr>
+          <a:xfrm>
+            <a:off x="7777116" y="2717758"/>
+            <a:ext cx="596863" cy="447784"/>
+          </a:xfrm>
+          <a:prstGeom prst="rect">
+            <a:avLst/>
+          </a:prstGeom>
+          <a:noFill/>
+        </p:spPr>
+        <p:txBody>
+          <a:bodyPr wrap="square" rtlCol="0">
+            <a:spAutoFit/>
+          </a:bodyPr>
+          <a:lstStyle/>
+          <a:p>
+            <a:endParaRPr lang="zh-TW" altLang="en-US" dirty="0"/>
           </a:p>
         </p:txBody>
       </p:sp>
@@ -12995,219 +13005,261 @@
           </a:p>
         </p:txBody>
       </p:sp>
-      <p:sp>
-        <p:nvSpPr>
-          <p:cNvPr id="4" name="文字方塊 3">
-            <a:extLst>
-              <a:ext uri="{FF2B5EF4-FFF2-40B4-BE49-F238E27FC236}">
-                <a16:creationId xmlns:a16="http://schemas.microsoft.com/office/drawing/2014/main" id="{8CB01CCB-AFB9-48A3-8B22-CD89DFD68361}"/>
-              </a:ext>
-            </a:extLst>
-          </p:cNvPr>
-          <p:cNvSpPr txBox="1"/>
+      <p:grpSp>
+        <p:nvGrpSpPr>
+          <p:cNvPr id="5" name="群組 4">
+            <a:extLst>
+              <a:ext uri="{FF2B5EF4-FFF2-40B4-BE49-F238E27FC236}">
+                <a16:creationId xmlns:a16="http://schemas.microsoft.com/office/drawing/2014/main" id="{E30EAB26-40DC-4203-9157-D3F56B860B65}"/>
+              </a:ext>
+            </a:extLst>
+          </p:cNvPr>
+          <p:cNvGrpSpPr/>
           <p:nvPr/>
-        </p:nvSpPr>
-        <p:spPr>
-          <a:xfrm>
-            <a:off x="1687790" y="4725884"/>
-            <a:ext cx="1951349" cy="1015663"/>
-          </a:xfrm>
-          <a:prstGeom prst="rect">
-            <a:avLst/>
-          </a:prstGeom>
-          <a:noFill/>
-          <a:ln w="28575">
-            <a:solidFill>
-              <a:schemeClr val="accent5">
-                <a:lumMod val="75000"/>
-              </a:schemeClr>
-            </a:solidFill>
-          </a:ln>
-        </p:spPr>
-        <p:txBody>
-          <a:bodyPr wrap="square" rtlCol="0">
-            <a:spAutoFit/>
-          </a:bodyPr>
-          <a:lstStyle/>
-          <a:p>
-            <a:r>
-              <a:rPr lang="en-US" altLang="zh-TW" sz="2000" dirty="0"/>
-              <a:t>Time 1: UDP A</a:t>
-            </a:r>
-          </a:p>
-          <a:p>
-            <a:r>
-              <a:rPr lang="en-US" altLang="zh-TW" sz="2000" dirty="0"/>
-              <a:t>Time 2: UDP B</a:t>
-            </a:r>
-          </a:p>
-          <a:p>
-            <a:r>
-              <a:rPr lang="en-US" altLang="zh-TW" sz="2000" dirty="0"/>
-              <a:t>Time 3: UDP C</a:t>
-            </a:r>
-            <a:endParaRPr lang="zh-TW" altLang="en-US" sz="2000" dirty="0"/>
-          </a:p>
-        </p:txBody>
-      </p:sp>
-      <p:sp>
-        <p:nvSpPr>
-          <p:cNvPr id="6" name="文字方塊 5">
-            <a:extLst>
-              <a:ext uri="{FF2B5EF4-FFF2-40B4-BE49-F238E27FC236}">
-                <a16:creationId xmlns:a16="http://schemas.microsoft.com/office/drawing/2014/main" id="{63346407-60E6-4D6B-8E1A-AB05A9372B17}"/>
-              </a:ext>
-            </a:extLst>
-          </p:cNvPr>
-          <p:cNvSpPr txBox="1"/>
-          <p:nvPr/>
-        </p:nvSpPr>
-        <p:spPr>
-          <a:xfrm>
-            <a:off x="6246829" y="4742967"/>
-            <a:ext cx="1951349" cy="1015663"/>
-          </a:xfrm>
-          <a:prstGeom prst="rect">
-            <a:avLst/>
-          </a:prstGeom>
-          <a:noFill/>
-          <a:ln w="28575">
-            <a:solidFill>
-              <a:srgbClr val="0070C0"/>
-            </a:solidFill>
-          </a:ln>
-        </p:spPr>
-        <p:txBody>
-          <a:bodyPr wrap="square" rtlCol="0">
-            <a:spAutoFit/>
-          </a:bodyPr>
-          <a:lstStyle/>
-          <a:p>
-            <a:r>
-              <a:rPr lang="en-US" altLang="zh-TW" sz="2000" dirty="0"/>
-              <a:t>Time 4: UDP C</a:t>
-            </a:r>
-          </a:p>
-          <a:p>
-            <a:r>
-              <a:rPr lang="en-US" altLang="zh-TW" sz="2000" dirty="0"/>
-              <a:t>Time 5:</a:t>
-            </a:r>
-          </a:p>
-          <a:p>
-            <a:r>
-              <a:rPr lang="en-US" altLang="zh-TW" sz="2000" dirty="0"/>
-              <a:t>Time 6: UDP A</a:t>
-            </a:r>
-            <a:endParaRPr lang="zh-TW" altLang="en-US" sz="2000" dirty="0"/>
-          </a:p>
-        </p:txBody>
-      </p:sp>
-      <p:sp>
-        <p:nvSpPr>
-          <p:cNvPr id="7" name="文字方塊 6">
-            <a:extLst>
-              <a:ext uri="{FF2B5EF4-FFF2-40B4-BE49-F238E27FC236}">
-                <a16:creationId xmlns:a16="http://schemas.microsoft.com/office/drawing/2014/main" id="{8040029A-A92B-4760-8018-356070465E54}"/>
-              </a:ext>
-            </a:extLst>
-          </p:cNvPr>
-          <p:cNvSpPr txBox="1"/>
-          <p:nvPr/>
-        </p:nvSpPr>
-        <p:spPr>
+        </p:nvGrpSpPr>
+        <p:grpSpPr>
           <a:xfrm>
             <a:off x="1621411" y="4334004"/>
-            <a:ext cx="1508288" cy="400110"/>
+            <a:ext cx="2017728" cy="1407543"/>
+            <a:chOff x="1621411" y="4334004"/>
+            <a:chExt cx="2017728" cy="1407543"/>
           </a:xfrm>
-          <a:prstGeom prst="rect">
-            <a:avLst/>
-          </a:prstGeom>
-          <a:noFill/>
-        </p:spPr>
-        <p:txBody>
-          <a:bodyPr wrap="square" rtlCol="0">
-            <a:spAutoFit/>
-          </a:bodyPr>
-          <a:lstStyle/>
-          <a:p>
-            <a:r>
-              <a:rPr lang="en-US" altLang="zh-TW" sz="2000" dirty="0"/>
-              <a:t>Transmitter</a:t>
-            </a:r>
-          </a:p>
-        </p:txBody>
-      </p:sp>
-      <p:sp>
-        <p:nvSpPr>
-          <p:cNvPr id="9" name="文字方塊 8">
-            <a:extLst>
-              <a:ext uri="{FF2B5EF4-FFF2-40B4-BE49-F238E27FC236}">
-                <a16:creationId xmlns:a16="http://schemas.microsoft.com/office/drawing/2014/main" id="{81F9B8C7-E201-4ACB-BBCD-869982AA2525}"/>
-              </a:ext>
-            </a:extLst>
-          </p:cNvPr>
-          <p:cNvSpPr txBox="1"/>
+        </p:grpSpPr>
+        <p:sp>
+          <p:nvSpPr>
+            <p:cNvPr id="4" name="文字方塊 3">
+              <a:extLst>
+                <a:ext uri="{FF2B5EF4-FFF2-40B4-BE49-F238E27FC236}">
+                  <a16:creationId xmlns:a16="http://schemas.microsoft.com/office/drawing/2014/main" id="{8CB01CCB-AFB9-48A3-8B22-CD89DFD68361}"/>
+                </a:ext>
+              </a:extLst>
+            </p:cNvPr>
+            <p:cNvSpPr txBox="1"/>
+            <p:nvPr/>
+          </p:nvSpPr>
+          <p:spPr>
+            <a:xfrm>
+              <a:off x="1687790" y="4725884"/>
+              <a:ext cx="1951349" cy="1015663"/>
+            </a:xfrm>
+            <a:prstGeom prst="rect">
+              <a:avLst/>
+            </a:prstGeom>
+            <a:noFill/>
+            <a:ln w="28575">
+              <a:solidFill>
+                <a:schemeClr val="accent5">
+                  <a:lumMod val="75000"/>
+                </a:schemeClr>
+              </a:solidFill>
+            </a:ln>
+          </p:spPr>
+          <p:txBody>
+            <a:bodyPr wrap="square" rtlCol="0">
+              <a:spAutoFit/>
+            </a:bodyPr>
+            <a:lstStyle/>
+            <a:p>
+              <a:r>
+                <a:rPr lang="en-US" altLang="zh-TW" sz="2000" dirty="0"/>
+                <a:t>Time 1: UDP A</a:t>
+              </a:r>
+            </a:p>
+            <a:p>
+              <a:r>
+                <a:rPr lang="en-US" altLang="zh-TW" sz="2000" dirty="0"/>
+                <a:t>Time 2: UDP B</a:t>
+              </a:r>
+            </a:p>
+            <a:p>
+              <a:r>
+                <a:rPr lang="en-US" altLang="zh-TW" sz="2000" dirty="0"/>
+                <a:t>Time 3: UDP C</a:t>
+              </a:r>
+              <a:endParaRPr lang="zh-TW" altLang="en-US" sz="2000" dirty="0"/>
+            </a:p>
+          </p:txBody>
+        </p:sp>
+        <p:sp>
+          <p:nvSpPr>
+            <p:cNvPr id="7" name="文字方塊 6">
+              <a:extLst>
+                <a:ext uri="{FF2B5EF4-FFF2-40B4-BE49-F238E27FC236}">
+                  <a16:creationId xmlns:a16="http://schemas.microsoft.com/office/drawing/2014/main" id="{8040029A-A92B-4760-8018-356070465E54}"/>
+                </a:ext>
+              </a:extLst>
+            </p:cNvPr>
+            <p:cNvSpPr txBox="1"/>
+            <p:nvPr/>
+          </p:nvSpPr>
+          <p:spPr>
+            <a:xfrm>
+              <a:off x="1621411" y="4334004"/>
+              <a:ext cx="1508288" cy="400110"/>
+            </a:xfrm>
+            <a:prstGeom prst="rect">
+              <a:avLst/>
+            </a:prstGeom>
+            <a:noFill/>
+          </p:spPr>
+          <p:txBody>
+            <a:bodyPr wrap="square" rtlCol="0">
+              <a:spAutoFit/>
+            </a:bodyPr>
+            <a:lstStyle/>
+            <a:p>
+              <a:r>
+                <a:rPr lang="en-US" altLang="zh-TW" sz="2000" dirty="0"/>
+                <a:t>Transmitter</a:t>
+              </a:r>
+            </a:p>
+          </p:txBody>
+        </p:sp>
+      </p:grpSp>
+      <p:grpSp>
+        <p:nvGrpSpPr>
+          <p:cNvPr id="8" name="群組 7">
+            <a:extLst>
+              <a:ext uri="{FF2B5EF4-FFF2-40B4-BE49-F238E27FC236}">
+                <a16:creationId xmlns:a16="http://schemas.microsoft.com/office/drawing/2014/main" id="{08948534-3E01-4736-977F-73C03EADD53C}"/>
+              </a:ext>
+            </a:extLst>
+          </p:cNvPr>
+          <p:cNvGrpSpPr/>
           <p:nvPr/>
-        </p:nvSpPr>
-        <p:spPr>
+        </p:nvGrpSpPr>
+        <p:grpSpPr>
           <a:xfrm>
             <a:off x="6246828" y="4334004"/>
-            <a:ext cx="2897171" cy="400110"/>
+            <a:ext cx="2897171" cy="1823532"/>
+            <a:chOff x="6246828" y="4334004"/>
+            <a:chExt cx="2897171" cy="1823532"/>
           </a:xfrm>
-          <a:prstGeom prst="rect">
-            <a:avLst/>
-          </a:prstGeom>
-          <a:noFill/>
-        </p:spPr>
-        <p:txBody>
-          <a:bodyPr wrap="square" rtlCol="0">
-            <a:spAutoFit/>
-          </a:bodyPr>
-          <a:lstStyle/>
-          <a:p>
-            <a:r>
-              <a:rPr lang="en-US" altLang="zh-TW" sz="2000" dirty="0"/>
-              <a:t>Receiver may receive like</a:t>
-            </a:r>
-          </a:p>
-        </p:txBody>
-      </p:sp>
-      <p:sp>
-        <p:nvSpPr>
-          <p:cNvPr id="11" name="文字方塊 10">
-            <a:extLst>
-              <a:ext uri="{FF2B5EF4-FFF2-40B4-BE49-F238E27FC236}">
-                <a16:creationId xmlns:a16="http://schemas.microsoft.com/office/drawing/2014/main" id="{8DACFBB3-8AEC-40EA-A79F-AB362801BB57}"/>
-              </a:ext>
-            </a:extLst>
-          </p:cNvPr>
-          <p:cNvSpPr txBox="1"/>
-          <p:nvPr/>
-        </p:nvSpPr>
-        <p:spPr>
-          <a:xfrm>
-            <a:off x="6352095" y="5757426"/>
-            <a:ext cx="1679542" cy="400110"/>
-          </a:xfrm>
-          <a:prstGeom prst="rect">
-            <a:avLst/>
-          </a:prstGeom>
-          <a:noFill/>
-        </p:spPr>
-        <p:txBody>
-          <a:bodyPr wrap="square" rtlCol="0">
-            <a:spAutoFit/>
-          </a:bodyPr>
-          <a:lstStyle/>
-          <a:p>
-            <a:r>
-              <a:rPr lang="en-US" altLang="zh-TW" sz="2000" dirty="0"/>
-              <a:t>(Loss UDP B)</a:t>
-            </a:r>
-          </a:p>
-        </p:txBody>
-      </p:sp>
+        </p:grpSpPr>
+        <p:sp>
+          <p:nvSpPr>
+            <p:cNvPr id="6" name="文字方塊 5">
+              <a:extLst>
+                <a:ext uri="{FF2B5EF4-FFF2-40B4-BE49-F238E27FC236}">
+                  <a16:creationId xmlns:a16="http://schemas.microsoft.com/office/drawing/2014/main" id="{63346407-60E6-4D6B-8E1A-AB05A9372B17}"/>
+                </a:ext>
+              </a:extLst>
+            </p:cNvPr>
+            <p:cNvSpPr txBox="1"/>
+            <p:nvPr/>
+          </p:nvSpPr>
+          <p:spPr>
+            <a:xfrm>
+              <a:off x="6246829" y="4742967"/>
+              <a:ext cx="1951349" cy="1015663"/>
+            </a:xfrm>
+            <a:prstGeom prst="rect">
+              <a:avLst/>
+            </a:prstGeom>
+            <a:noFill/>
+            <a:ln w="28575">
+              <a:solidFill>
+                <a:srgbClr val="0070C0"/>
+              </a:solidFill>
+            </a:ln>
+          </p:spPr>
+          <p:txBody>
+            <a:bodyPr wrap="square" rtlCol="0">
+              <a:spAutoFit/>
+            </a:bodyPr>
+            <a:lstStyle/>
+            <a:p>
+              <a:r>
+                <a:rPr lang="en-US" altLang="zh-TW" sz="2000" dirty="0"/>
+                <a:t>Time 4: UDP C</a:t>
+              </a:r>
+            </a:p>
+            <a:p>
+              <a:r>
+                <a:rPr lang="en-US" altLang="zh-TW" sz="2000" dirty="0"/>
+                <a:t>Time 5:</a:t>
+              </a:r>
+            </a:p>
+            <a:p>
+              <a:r>
+                <a:rPr lang="en-US" altLang="zh-TW" sz="2000" dirty="0"/>
+                <a:t>Time 6: UDP A</a:t>
+              </a:r>
+              <a:endParaRPr lang="zh-TW" altLang="en-US" sz="2000" dirty="0"/>
+            </a:p>
+          </p:txBody>
+        </p:sp>
+        <p:sp>
+          <p:nvSpPr>
+            <p:cNvPr id="9" name="文字方塊 8">
+              <a:extLst>
+                <a:ext uri="{FF2B5EF4-FFF2-40B4-BE49-F238E27FC236}">
+                  <a16:creationId xmlns:a16="http://schemas.microsoft.com/office/drawing/2014/main" id="{81F9B8C7-E201-4ACB-BBCD-869982AA2525}"/>
+                </a:ext>
+              </a:extLst>
+            </p:cNvPr>
+            <p:cNvSpPr txBox="1"/>
+            <p:nvPr/>
+          </p:nvSpPr>
+          <p:spPr>
+            <a:xfrm>
+              <a:off x="6246828" y="4334004"/>
+              <a:ext cx="2897171" cy="400110"/>
+            </a:xfrm>
+            <a:prstGeom prst="rect">
+              <a:avLst/>
+            </a:prstGeom>
+            <a:noFill/>
+          </p:spPr>
+          <p:txBody>
+            <a:bodyPr wrap="square" rtlCol="0">
+              <a:spAutoFit/>
+            </a:bodyPr>
+            <a:lstStyle/>
+            <a:p>
+              <a:r>
+                <a:rPr lang="en-US" altLang="zh-TW" sz="2000" dirty="0"/>
+                <a:t>Receiver may receive like</a:t>
+              </a:r>
+            </a:p>
+          </p:txBody>
+        </p:sp>
+        <p:sp>
+          <p:nvSpPr>
+            <p:cNvPr id="11" name="文字方塊 10">
+              <a:extLst>
+                <a:ext uri="{FF2B5EF4-FFF2-40B4-BE49-F238E27FC236}">
+                  <a16:creationId xmlns:a16="http://schemas.microsoft.com/office/drawing/2014/main" id="{8DACFBB3-8AEC-40EA-A79F-AB362801BB57}"/>
+                </a:ext>
+              </a:extLst>
+            </p:cNvPr>
+            <p:cNvSpPr txBox="1"/>
+            <p:nvPr/>
+          </p:nvSpPr>
+          <p:spPr>
+            <a:xfrm>
+              <a:off x="6352095" y="5757426"/>
+              <a:ext cx="1679542" cy="400110"/>
+            </a:xfrm>
+            <a:prstGeom prst="rect">
+              <a:avLst/>
+            </a:prstGeom>
+            <a:noFill/>
+          </p:spPr>
+          <p:txBody>
+            <a:bodyPr wrap="square" rtlCol="0">
+              <a:spAutoFit/>
+            </a:bodyPr>
+            <a:lstStyle/>
+            <a:p>
+              <a:r>
+                <a:rPr lang="en-US" altLang="zh-TW" sz="2000" dirty="0"/>
+                <a:t>(Loss UDP B)</a:t>
+              </a:r>
+            </a:p>
+          </p:txBody>
+        </p:sp>
+      </p:grpSp>
       <p:sp>
         <p:nvSpPr>
           <p:cNvPr id="12" name="投影片編號版面配置區 11">
